--- a/presentation/FINAL YEAR PROJECT BATCH 18.pptx
+++ b/presentation/FINAL YEAR PROJECT BATCH 18.pptx
@@ -200,6 +200,7 @@
           <a:p>
             <a:fld id="{59963E71-6625-416E-B223-0C5D5CA7D0A4}" type="datetimeFigureOut">
               <a:rPr lang="en-US" smtClean="0"/>
+              <a:pPr/>
               <a:t>17-Dec-19</a:t>
             </a:fld>
             <a:endParaRPr lang="en-US"/>
@@ -361,6 +362,7 @@
           <a:p>
             <a:fld id="{48EF9FDA-8689-4F62-A598-96BA9CF62B83}" type="slidenum">
               <a:rPr lang="en-US" smtClean="0"/>
+              <a:pPr/>
               <a:t>‹#›</a:t>
             </a:fld>
             <a:endParaRPr lang="en-US"/>
@@ -646,6 +648,7 @@
           <a:p>
             <a:fld id="{A0AAE99B-D3FA-4C7C-8975-AE904ECDC38C}" type="datetimeFigureOut">
               <a:rPr lang="en-US" smtClean="0"/>
+              <a:pPr/>
               <a:t>17-Dec-19</a:t>
             </a:fld>
             <a:endParaRPr lang="en-US"/>
@@ -688,6 +691,7 @@
           <a:p>
             <a:fld id="{2413B5F8-6DBA-490A-9E07-C309FBC4DA61}" type="slidenum">
               <a:rPr lang="en-US" smtClean="0"/>
+              <a:pPr/>
               <a:t>‹#›</a:t>
             </a:fld>
             <a:endParaRPr lang="en-US"/>
@@ -811,6 +815,7 @@
           <a:p>
             <a:fld id="{A0AAE99B-D3FA-4C7C-8975-AE904ECDC38C}" type="datetimeFigureOut">
               <a:rPr lang="en-US" smtClean="0"/>
+              <a:pPr/>
               <a:t>17-Dec-19</a:t>
             </a:fld>
             <a:endParaRPr lang="en-US"/>
@@ -853,6 +858,7 @@
           <a:p>
             <a:fld id="{2413B5F8-6DBA-490A-9E07-C309FBC4DA61}" type="slidenum">
               <a:rPr lang="en-US" smtClean="0"/>
+              <a:pPr/>
               <a:t>‹#›</a:t>
             </a:fld>
             <a:endParaRPr lang="en-US"/>
@@ -986,6 +992,7 @@
           <a:p>
             <a:fld id="{A0AAE99B-D3FA-4C7C-8975-AE904ECDC38C}" type="datetimeFigureOut">
               <a:rPr lang="en-US" smtClean="0"/>
+              <a:pPr/>
               <a:t>17-Dec-19</a:t>
             </a:fld>
             <a:endParaRPr lang="en-US"/>
@@ -1028,6 +1035,7 @@
           <a:p>
             <a:fld id="{2413B5F8-6DBA-490A-9E07-C309FBC4DA61}" type="slidenum">
               <a:rPr lang="en-US" smtClean="0"/>
+              <a:pPr/>
               <a:t>‹#›</a:t>
             </a:fld>
             <a:endParaRPr lang="en-US"/>
@@ -1151,6 +1159,7 @@
           <a:p>
             <a:fld id="{A0AAE99B-D3FA-4C7C-8975-AE904ECDC38C}" type="datetimeFigureOut">
               <a:rPr lang="en-US" smtClean="0"/>
+              <a:pPr/>
               <a:t>17-Dec-19</a:t>
             </a:fld>
             <a:endParaRPr lang="en-US"/>
@@ -1193,6 +1202,7 @@
           <a:p>
             <a:fld id="{2413B5F8-6DBA-490A-9E07-C309FBC4DA61}" type="slidenum">
               <a:rPr lang="en-US" smtClean="0"/>
+              <a:pPr/>
               <a:t>‹#›</a:t>
             </a:fld>
             <a:endParaRPr lang="en-US"/>
@@ -1392,6 +1402,7 @@
           <a:p>
             <a:fld id="{A0AAE99B-D3FA-4C7C-8975-AE904ECDC38C}" type="datetimeFigureOut">
               <a:rPr lang="en-US" smtClean="0"/>
+              <a:pPr/>
               <a:t>17-Dec-19</a:t>
             </a:fld>
             <a:endParaRPr lang="en-US"/>
@@ -1434,6 +1445,7 @@
           <a:p>
             <a:fld id="{2413B5F8-6DBA-490A-9E07-C309FBC4DA61}" type="slidenum">
               <a:rPr lang="en-US" smtClean="0"/>
+              <a:pPr/>
               <a:t>‹#›</a:t>
             </a:fld>
             <a:endParaRPr lang="en-US"/>
@@ -1675,6 +1687,7 @@
           <a:p>
             <a:fld id="{A0AAE99B-D3FA-4C7C-8975-AE904ECDC38C}" type="datetimeFigureOut">
               <a:rPr lang="en-US" smtClean="0"/>
+              <a:pPr/>
               <a:t>17-Dec-19</a:t>
             </a:fld>
             <a:endParaRPr lang="en-US"/>
@@ -1717,6 +1730,7 @@
           <a:p>
             <a:fld id="{2413B5F8-6DBA-490A-9E07-C309FBC4DA61}" type="slidenum">
               <a:rPr lang="en-US" smtClean="0"/>
+              <a:pPr/>
               <a:t>‹#›</a:t>
             </a:fld>
             <a:endParaRPr lang="en-US"/>
@@ -2092,6 +2106,7 @@
           <a:p>
             <a:fld id="{A0AAE99B-D3FA-4C7C-8975-AE904ECDC38C}" type="datetimeFigureOut">
               <a:rPr lang="en-US" smtClean="0"/>
+              <a:pPr/>
               <a:t>17-Dec-19</a:t>
             </a:fld>
             <a:endParaRPr lang="en-US"/>
@@ -2134,6 +2149,7 @@
           <a:p>
             <a:fld id="{2413B5F8-6DBA-490A-9E07-C309FBC4DA61}" type="slidenum">
               <a:rPr lang="en-US" smtClean="0"/>
+              <a:pPr/>
               <a:t>‹#›</a:t>
             </a:fld>
             <a:endParaRPr lang="en-US"/>
@@ -2205,6 +2221,7 @@
           <a:p>
             <a:fld id="{A0AAE99B-D3FA-4C7C-8975-AE904ECDC38C}" type="datetimeFigureOut">
               <a:rPr lang="en-US" smtClean="0"/>
+              <a:pPr/>
               <a:t>17-Dec-19</a:t>
             </a:fld>
             <a:endParaRPr lang="en-US"/>
@@ -2247,6 +2264,7 @@
           <a:p>
             <a:fld id="{2413B5F8-6DBA-490A-9E07-C309FBC4DA61}" type="slidenum">
               <a:rPr lang="en-US" smtClean="0"/>
+              <a:pPr/>
               <a:t>‹#›</a:t>
             </a:fld>
             <a:endParaRPr lang="en-US"/>
@@ -2295,6 +2313,7 @@
           <a:p>
             <a:fld id="{A0AAE99B-D3FA-4C7C-8975-AE904ECDC38C}" type="datetimeFigureOut">
               <a:rPr lang="en-US" smtClean="0"/>
+              <a:pPr/>
               <a:t>17-Dec-19</a:t>
             </a:fld>
             <a:endParaRPr lang="en-US"/>
@@ -2337,6 +2356,7 @@
           <a:p>
             <a:fld id="{2413B5F8-6DBA-490A-9E07-C309FBC4DA61}" type="slidenum">
               <a:rPr lang="en-US" smtClean="0"/>
+              <a:pPr/>
               <a:t>‹#›</a:t>
             </a:fld>
             <a:endParaRPr lang="en-US"/>
@@ -2567,6 +2587,7 @@
           <a:p>
             <a:fld id="{A0AAE99B-D3FA-4C7C-8975-AE904ECDC38C}" type="datetimeFigureOut">
               <a:rPr lang="en-US" smtClean="0"/>
+              <a:pPr/>
               <a:t>17-Dec-19</a:t>
             </a:fld>
             <a:endParaRPr lang="en-US"/>
@@ -2609,6 +2630,7 @@
           <a:p>
             <a:fld id="{2413B5F8-6DBA-490A-9E07-C309FBC4DA61}" type="slidenum">
               <a:rPr lang="en-US" smtClean="0"/>
+              <a:pPr/>
               <a:t>‹#›</a:t>
             </a:fld>
             <a:endParaRPr lang="en-US"/>
@@ -2815,6 +2837,7 @@
           <a:p>
             <a:fld id="{A0AAE99B-D3FA-4C7C-8975-AE904ECDC38C}" type="datetimeFigureOut">
               <a:rPr lang="en-US" smtClean="0"/>
+              <a:pPr/>
               <a:t>17-Dec-19</a:t>
             </a:fld>
             <a:endParaRPr lang="en-US"/>
@@ -2857,6 +2880,7 @@
           <a:p>
             <a:fld id="{2413B5F8-6DBA-490A-9E07-C309FBC4DA61}" type="slidenum">
               <a:rPr lang="en-US" smtClean="0"/>
+              <a:pPr/>
               <a:t>‹#›</a:t>
             </a:fld>
             <a:endParaRPr lang="en-US"/>
@@ -3023,6 +3047,7 @@
           <a:p>
             <a:fld id="{A0AAE99B-D3FA-4C7C-8975-AE904ECDC38C}" type="datetimeFigureOut">
               <a:rPr lang="en-US" smtClean="0"/>
+              <a:pPr/>
               <a:t>17-Dec-19</a:t>
             </a:fld>
             <a:endParaRPr lang="en-US"/>
@@ -3101,6 +3126,7 @@
           <a:p>
             <a:fld id="{2413B5F8-6DBA-490A-9E07-C309FBC4DA61}" type="slidenum">
               <a:rPr lang="en-US" smtClean="0"/>
+              <a:pPr/>
               <a:t>‹#›</a:t>
             </a:fld>
             <a:endParaRPr lang="en-US"/>
@@ -3525,7 +3551,7 @@
         </p:nvGraphicFramePr>
         <p:xfrm>
           <a:off x="1524000" y="2133600"/>
-          <a:ext cx="7467600" cy="3459480"/>
+          <a:ext cx="7467600" cy="3738880"/>
         </p:xfrm>
         <a:graphic>
           <a:graphicData uri="http://schemas.openxmlformats.org/drawingml/2006/table">
@@ -3731,7 +3757,7 @@
                         <a:rPr lang="en-US" b="1" dirty="0" smtClean="0">
                           <a:latin typeface="Cambria" pitchFamily="18" charset="0"/>
                         </a:rPr>
-                        <a:t>SUPERVISOR</a:t>
+                        <a:t>SUPERVISOR NAME</a:t>
                       </a:r>
                       <a:endParaRPr lang="en-US" b="1" dirty="0">
                         <a:latin typeface="Cambria" pitchFamily="18" charset="0"/>
@@ -3793,7 +3819,7 @@
                   <a:tcPr/>
                 </a:tc>
               </a:tr>
-              <a:tr h="609600">
+              <a:tr h="558800">
                 <a:tc>
                   <a:txBody>
                     <a:bodyPr/>
@@ -3891,7 +3917,7 @@
                   </a:tcPr>
                 </a:tc>
               </a:tr>
-              <a:tr h="609600">
+              <a:tr h="482600">
                 <a:tc>
                   <a:txBody>
                     <a:bodyPr/>
@@ -3969,7 +3995,7 @@
                   </a:tcPr>
                 </a:tc>
               </a:tr>
-              <a:tr h="370840">
+              <a:tr h="457200">
                 <a:tc>
                   <a:txBody>
                     <a:bodyPr/>
@@ -4043,6 +4069,92 @@
                         </a:rPr>
                         <a:t>160501054</a:t>
                       </a:r>
+                      <a:endParaRPr lang="en-US" dirty="0">
+                        <a:latin typeface="Cambria" pitchFamily="18" charset="0"/>
+                      </a:endParaRPr>
+                    </a:p>
+                  </a:txBody>
+                  <a:tcPr>
+                    <a:noFill/>
+                  </a:tcPr>
+                </a:tc>
+              </a:tr>
+              <a:tr h="370840">
+                <a:tc>
+                  <a:txBody>
+                    <a:bodyPr/>
+                    <a:lstStyle/>
+                    <a:p>
+                      <a:pPr algn="l"/>
+                      <a:r>
+                        <a:rPr lang="en-US" b="1" dirty="0" smtClean="0">
+                          <a:latin typeface="Cambria" pitchFamily="18" charset="0"/>
+                        </a:rPr>
+                        <a:t>DATE OF REVIEW</a:t>
+                      </a:r>
+                      <a:endParaRPr lang="en-US" b="1" dirty="0">
+                        <a:latin typeface="Cambria" pitchFamily="18" charset="0"/>
+                      </a:endParaRPr>
+                    </a:p>
+                  </a:txBody>
+                  <a:tcPr>
+                    <a:noFill/>
+                  </a:tcPr>
+                </a:tc>
+                <a:tc>
+                  <a:txBody>
+                    <a:bodyPr/>
+                    <a:lstStyle/>
+                    <a:p>
+                      <a:pPr algn="l"/>
+                      <a:r>
+                        <a:rPr lang="en-US" b="0" dirty="0" smtClean="0">
+                          <a:latin typeface="Cambria" pitchFamily="18" charset="0"/>
+                        </a:rPr>
+                        <a:t>18</a:t>
+                      </a:r>
+                      <a:r>
+                        <a:rPr lang="en-US" b="0" baseline="30000" dirty="0" smtClean="0">
+                          <a:latin typeface="Cambria" pitchFamily="18" charset="0"/>
+                        </a:rPr>
+                        <a:t>th</a:t>
+                      </a:r>
+                      <a:r>
+                        <a:rPr lang="en-US" b="0" baseline="0" dirty="0" smtClean="0">
+                          <a:latin typeface="Cambria" pitchFamily="18" charset="0"/>
+                        </a:rPr>
+                        <a:t>  DEC 2019</a:t>
+                      </a:r>
+                      <a:endParaRPr lang="en-US" b="0" dirty="0">
+                        <a:latin typeface="Cambria" pitchFamily="18" charset="0"/>
+                      </a:endParaRPr>
+                    </a:p>
+                  </a:txBody>
+                  <a:tcPr>
+                    <a:noFill/>
+                  </a:tcPr>
+                </a:tc>
+                <a:tc>
+                  <a:txBody>
+                    <a:bodyPr/>
+                    <a:lstStyle/>
+                    <a:p>
+                      <a:pPr algn="ctr"/>
+                      <a:endParaRPr lang="en-US" dirty="0">
+                        <a:latin typeface="Cambria" pitchFamily="18" charset="0"/>
+                      </a:endParaRPr>
+                    </a:p>
+                  </a:txBody>
+                  <a:tcPr>
+                    <a:noFill/>
+                  </a:tcPr>
+                </a:tc>
+                <a:tc>
+                  <a:txBody>
+                    <a:bodyPr/>
+                    <a:lstStyle/>
+                    <a:p>
+                      <a:pPr algn="ctr"/>
                       <a:endParaRPr lang="en-US" dirty="0">
                         <a:latin typeface="Cambria" pitchFamily="18" charset="0"/>
                       </a:endParaRPr>
@@ -4587,15 +4699,7 @@
             </a:pPr>
             <a:r>
               <a:rPr lang="en-US" dirty="0" smtClean="0"/>
-              <a:t> So the main reason for the above given problems are revealing the password to any  authority for verification ,then came the zero knowledge algorithm which claimed that any statement can be proved to the reviewer  without </a:t>
-            </a:r>
-            <a:r>
-              <a:rPr lang="en-US" dirty="0" smtClean="0"/>
-              <a:t>revealing </a:t>
-            </a:r>
-            <a:r>
-              <a:rPr lang="en-US" dirty="0" smtClean="0"/>
-              <a:t>any sort important data.</a:t>
+              <a:t> So the main reason for the above given problems are revealing the password to any  authority for verification ,then came the zero knowledge algorithm which claimed that any statement can be proved to the reviewer  without revealing any sort important data.</a:t>
             </a:r>
           </a:p>
           <a:p>
@@ -6968,11 +7072,7 @@
             </a:pPr>
             <a:r>
               <a:rPr lang="en-US" dirty="0" smtClean="0"/>
-              <a:t>  </a:t>
-            </a:r>
-            <a:r>
-              <a:rPr lang="en-US" dirty="0" smtClean="0"/>
-              <a:t>Shoulder Surfing Resistant Graphical password system  By Amish shah , Part </a:t>
+              <a:t>  Shoulder Surfing Resistant Graphical password system  By Amish shah , Part </a:t>
             </a:r>
             <a:r>
               <a:rPr lang="en-US" dirty="0" err="1" smtClean="0"/>

--- a/presentation/FINAL YEAR PROJECT BATCH 18.pptx
+++ b/presentation/FINAL YEAR PROJECT BATCH 18.pptx
@@ -201,7 +201,7 @@
             <a:fld id="{59963E71-6625-416E-B223-0C5D5CA7D0A4}" type="datetimeFigureOut">
               <a:rPr lang="en-US" smtClean="0"/>
               <a:pPr/>
-              <a:t>17-Dec-19</a:t>
+              <a:t>18-Dec-19</a:t>
             </a:fld>
             <a:endParaRPr lang="en-US"/>
           </a:p>
@@ -649,7 +649,7 @@
             <a:fld id="{A0AAE99B-D3FA-4C7C-8975-AE904ECDC38C}" type="datetimeFigureOut">
               <a:rPr lang="en-US" smtClean="0"/>
               <a:pPr/>
-              <a:t>17-Dec-19</a:t>
+              <a:t>18-Dec-19</a:t>
             </a:fld>
             <a:endParaRPr lang="en-US"/>
           </a:p>
@@ -816,7 +816,7 @@
             <a:fld id="{A0AAE99B-D3FA-4C7C-8975-AE904ECDC38C}" type="datetimeFigureOut">
               <a:rPr lang="en-US" smtClean="0"/>
               <a:pPr/>
-              <a:t>17-Dec-19</a:t>
+              <a:t>18-Dec-19</a:t>
             </a:fld>
             <a:endParaRPr lang="en-US"/>
           </a:p>
@@ -993,7 +993,7 @@
             <a:fld id="{A0AAE99B-D3FA-4C7C-8975-AE904ECDC38C}" type="datetimeFigureOut">
               <a:rPr lang="en-US" smtClean="0"/>
               <a:pPr/>
-              <a:t>17-Dec-19</a:t>
+              <a:t>18-Dec-19</a:t>
             </a:fld>
             <a:endParaRPr lang="en-US"/>
           </a:p>
@@ -1160,7 +1160,7 @@
             <a:fld id="{A0AAE99B-D3FA-4C7C-8975-AE904ECDC38C}" type="datetimeFigureOut">
               <a:rPr lang="en-US" smtClean="0"/>
               <a:pPr/>
-              <a:t>17-Dec-19</a:t>
+              <a:t>18-Dec-19</a:t>
             </a:fld>
             <a:endParaRPr lang="en-US"/>
           </a:p>
@@ -1403,7 +1403,7 @@
             <a:fld id="{A0AAE99B-D3FA-4C7C-8975-AE904ECDC38C}" type="datetimeFigureOut">
               <a:rPr lang="en-US" smtClean="0"/>
               <a:pPr/>
-              <a:t>17-Dec-19</a:t>
+              <a:t>18-Dec-19</a:t>
             </a:fld>
             <a:endParaRPr lang="en-US"/>
           </a:p>
@@ -1688,7 +1688,7 @@
             <a:fld id="{A0AAE99B-D3FA-4C7C-8975-AE904ECDC38C}" type="datetimeFigureOut">
               <a:rPr lang="en-US" smtClean="0"/>
               <a:pPr/>
-              <a:t>17-Dec-19</a:t>
+              <a:t>18-Dec-19</a:t>
             </a:fld>
             <a:endParaRPr lang="en-US"/>
           </a:p>
@@ -2107,7 +2107,7 @@
             <a:fld id="{A0AAE99B-D3FA-4C7C-8975-AE904ECDC38C}" type="datetimeFigureOut">
               <a:rPr lang="en-US" smtClean="0"/>
               <a:pPr/>
-              <a:t>17-Dec-19</a:t>
+              <a:t>18-Dec-19</a:t>
             </a:fld>
             <a:endParaRPr lang="en-US"/>
           </a:p>
@@ -2222,7 +2222,7 @@
             <a:fld id="{A0AAE99B-D3FA-4C7C-8975-AE904ECDC38C}" type="datetimeFigureOut">
               <a:rPr lang="en-US" smtClean="0"/>
               <a:pPr/>
-              <a:t>17-Dec-19</a:t>
+              <a:t>18-Dec-19</a:t>
             </a:fld>
             <a:endParaRPr lang="en-US"/>
           </a:p>
@@ -2314,7 +2314,7 @@
             <a:fld id="{A0AAE99B-D3FA-4C7C-8975-AE904ECDC38C}" type="datetimeFigureOut">
               <a:rPr lang="en-US" smtClean="0"/>
               <a:pPr/>
-              <a:t>17-Dec-19</a:t>
+              <a:t>18-Dec-19</a:t>
             </a:fld>
             <a:endParaRPr lang="en-US"/>
           </a:p>
@@ -2588,7 +2588,7 @@
             <a:fld id="{A0AAE99B-D3FA-4C7C-8975-AE904ECDC38C}" type="datetimeFigureOut">
               <a:rPr lang="en-US" smtClean="0"/>
               <a:pPr/>
-              <a:t>17-Dec-19</a:t>
+              <a:t>18-Dec-19</a:t>
             </a:fld>
             <a:endParaRPr lang="en-US"/>
           </a:p>
@@ -2838,7 +2838,7 @@
             <a:fld id="{A0AAE99B-D3FA-4C7C-8975-AE904ECDC38C}" type="datetimeFigureOut">
               <a:rPr lang="en-US" smtClean="0"/>
               <a:pPr/>
-              <a:t>17-Dec-19</a:t>
+              <a:t>18-Dec-19</a:t>
             </a:fld>
             <a:endParaRPr lang="en-US"/>
           </a:p>
@@ -3048,7 +3048,7 @@
             <a:fld id="{A0AAE99B-D3FA-4C7C-8975-AE904ECDC38C}" type="datetimeFigureOut">
               <a:rPr lang="en-US" smtClean="0"/>
               <a:pPr/>
-              <a:t>17-Dec-19</a:t>
+              <a:t>18-Dec-19</a:t>
             </a:fld>
             <a:endParaRPr lang="en-US"/>
           </a:p>
@@ -3711,7 +3711,13 @@
                         <a:rPr lang="en-US" baseline="0" dirty="0" smtClean="0">
                           <a:latin typeface="Cambria" pitchFamily="18" charset="0"/>
                         </a:rPr>
-                        <a:t> SECURITY</a:t>
+                        <a:t> </a:t>
+                      </a:r>
+                      <a:r>
+                        <a:rPr lang="en-US" baseline="0" dirty="0" smtClean="0">
+                          <a:latin typeface="Cambria" pitchFamily="18" charset="0"/>
+                        </a:rPr>
+                        <a:t>SECURITY , ANDROID</a:t>
                       </a:r>
                       <a:endParaRPr lang="en-US" dirty="0">
                         <a:latin typeface="Cambria" pitchFamily="18" charset="0"/>
@@ -3778,16 +3784,34 @@
                     <a:p>
                       <a:pPr algn="l"/>
                       <a:r>
-                        <a:rPr lang="en-US" dirty="0" err="1" smtClean="0">
+                        <a:rPr lang="en-US" dirty="0" smtClean="0">
                           <a:latin typeface="Cambria" pitchFamily="18" charset="0"/>
                         </a:rPr>
-                        <a:t>Mrs</a:t>
+                        <a:t>Assistant</a:t>
                       </a:r>
                       <a:r>
                         <a:rPr lang="en-US" baseline="0" dirty="0" smtClean="0">
                           <a:latin typeface="Cambria" pitchFamily="18" charset="0"/>
                         </a:rPr>
-                        <a:t> . BHUVANA</a:t>
+                        <a:t> </a:t>
+                      </a:r>
+                      <a:r>
+                        <a:rPr lang="en-US" dirty="0" smtClean="0">
+                          <a:latin typeface="Cambria" pitchFamily="18" charset="0"/>
+                        </a:rPr>
+                        <a:t>Professor </a:t>
+                      </a:r>
+                      <a:r>
+                        <a:rPr lang="en-US" baseline="0" dirty="0" smtClean="0">
+                          <a:latin typeface="Cambria" pitchFamily="18" charset="0"/>
+                        </a:rPr>
+                        <a:t>. </a:t>
+                      </a:r>
+                      <a:r>
+                        <a:rPr lang="en-US" baseline="0" dirty="0" smtClean="0">
+                          <a:latin typeface="Cambria" pitchFamily="18" charset="0"/>
+                        </a:rPr>
+                        <a:t>J BHUVANA</a:t>
                       </a:r>
                       <a:endParaRPr lang="en-US" dirty="0">
                         <a:latin typeface="Cambria" pitchFamily="18" charset="0"/>
@@ -4025,7 +4049,7 @@
                         <a:rPr lang="en-US" baseline="0" dirty="0" smtClean="0">
                           <a:latin typeface="Cambria" pitchFamily="18" charset="0"/>
                         </a:rPr>
-                        <a:t> </a:t>
+                        <a:t>  S</a:t>
                       </a:r>
                       <a:endParaRPr lang="en-US" dirty="0">
                         <a:latin typeface="Cambria" pitchFamily="18" charset="0"/>
@@ -4312,7 +4336,7 @@
             </a:r>
             <a:r>
               <a:rPr lang="en-US" dirty="0" smtClean="0"/>
-              <a:t>. Authentication is basically a process of verifying the secret that is known between two persons(say a system and a human user).This authentication is done traditionally by using a piece of text as password  for human user in a particular system. which is exploited by the attackers to intercept the connection and get the password. So the an alternative for </a:t>
+              <a:t>. Authentication is basically a process of verifying the secret that is known between two actors(say a system and a human user).This authentication is done traditionally by  a piece of text as password  for human user to get authenticated into a particular system ,which is exploited by the attackers to intercept the connection and get the password. So an alternative for </a:t>
             </a:r>
             <a:r>
               <a:rPr lang="en-US" b="1" dirty="0" smtClean="0"/>
@@ -4328,11 +4352,11 @@
             </a:r>
             <a:r>
               <a:rPr lang="en-US" dirty="0" smtClean="0"/>
-              <a:t>. It used a image as a password though it minimize the probability attacking it doesn’t defend shoulder surfing problem ,in which attacker indulge in  seeking the password by peeping into the user’s monitor and moreover  humans feel easy to remember the image password rather than text password so once the attacker see the image password or sequence he/she can easily redo it. so a technique which defends both shoulder attack and attacks in the intermediate connection is required ,this lead a technique called </a:t>
+              <a:t>. It uses a image as a password ,though it minimize the probability of security system getting compromised ,it doesn’t defend shoulder surfing problem ,in which attacker gets the password by peeping into the user’s monitor and moreover humans feel easy to remember the image password rather than text password so once the attacker see the image password or sequence ,he/she can easily redo it. so a technique which defends both shoulder attack and attacks in the intermediate connection is required ,this lead a technique called </a:t>
             </a:r>
             <a:r>
               <a:rPr lang="en-US" b="1" dirty="0" smtClean="0"/>
-              <a:t>ZERO KNOWLEDGE PROTOCOLS</a:t>
+              <a:t>ZERO KNOWLEDGE PROTOCOLS.</a:t>
             </a:r>
             <a:endParaRPr lang="en-US" b="1" dirty="0"/>
           </a:p>
@@ -4426,7 +4450,7 @@
             </a:r>
             <a:r>
               <a:rPr lang="en-US" dirty="0" smtClean="0"/>
-              <a:t>  : An technique which a proofer uses to prove some statement to the reviewer.</a:t>
+              <a:t>  : An technique in which a proofer uses to prove some statement to the reviewer without revealing the actual statement.</a:t>
             </a:r>
           </a:p>
           <a:p>
@@ -4472,7 +4496,7 @@
             </a:r>
             <a:r>
               <a:rPr lang="en-US" dirty="0" smtClean="0"/>
-              <a:t>This visual processing of the cognitive skill set the humans to </a:t>
+              <a:t>This visual processing of the cognitive skill set enables the humans to </a:t>
             </a:r>
             <a:r>
               <a:rPr lang="en-US" dirty="0"/>
@@ -4501,7 +4525,7 @@
             </a:r>
             <a:r>
               <a:rPr lang="en-US" dirty="0" smtClean="0"/>
-              <a:t>It is the sequence of images that a user uses to represent his desired story as a password</a:t>
+              <a:t>It is the sequence of images that a user uses to represent his desired story as a password.</a:t>
             </a:r>
             <a:endParaRPr lang="en-US" dirty="0"/>
           </a:p>
@@ -4592,7 +4616,7 @@
             <a:pPr algn="just"/>
             <a:r>
               <a:rPr lang="en-US" dirty="0" smtClean="0"/>
-              <a:t> This is problem statement is about defending the  password from both shoulder surfing and  other attacks.</a:t>
+              <a:t> This is problem statement is about defending the password from both shoulder surfing and  other attacks.</a:t>
             </a:r>
           </a:p>
           <a:p>
@@ -5146,7 +5170,7 @@
             </a:r>
             <a:r>
               <a:rPr lang="en-US" dirty="0" smtClean="0"/>
-              <a:t>type image password and the original password is also in the text format so the attack can compromise the even if he knows the partial password.</a:t>
+              <a:t>type image password and the original password is also in the text format so the attack can compromise the system even if he knows the partial password.</a:t>
             </a:r>
           </a:p>
           <a:p>
@@ -5160,7 +5184,15 @@
             </a:r>
             <a:r>
               <a:rPr lang="en-US" dirty="0" smtClean="0"/>
-              <a:t>  This project is focused on making the origin password a story type.</a:t>
+              <a:t>  This project is focused on making the origin password a </a:t>
+            </a:r>
+            <a:r>
+              <a:rPr lang="en-US" b="1" dirty="0" smtClean="0"/>
+              <a:t>story type</a:t>
+            </a:r>
+            <a:r>
+              <a:rPr lang="en-US" dirty="0" smtClean="0"/>
+              <a:t>.</a:t>
             </a:r>
             <a:endParaRPr lang="en-US" dirty="0"/>
           </a:p>
@@ -6665,7 +6697,7 @@
         <p:spPr>
           <a:xfrm>
             <a:off x="533400" y="1295400"/>
-            <a:ext cx="8153400" cy="4031873"/>
+            <a:ext cx="8153400" cy="4647426"/>
           </a:xfrm>
           <a:prstGeom prst="rect">
             <a:avLst/>
@@ -6753,6 +6785,23 @@
             <a:r>
               <a:rPr lang="en-US" sz="2000" dirty="0" smtClean="0"/>
               <a:t>Web client module.</a:t>
+            </a:r>
+          </a:p>
+          <a:p>
+            <a:pPr marL="342900" indent="-342900">
+              <a:buFont typeface="+mj-lt"/>
+              <a:buAutoNum type="arabicPeriod"/>
+            </a:pPr>
+            <a:endParaRPr lang="en-US" sz="2000" dirty="0" smtClean="0"/>
+          </a:p>
+          <a:p>
+            <a:pPr marL="342900" indent="-342900">
+              <a:buFont typeface="+mj-lt"/>
+              <a:buAutoNum type="arabicPeriod"/>
+            </a:pPr>
+            <a:r>
+              <a:rPr lang="en-US" sz="2000" dirty="0" smtClean="0"/>
+              <a:t>Reviewer module.</a:t>
             </a:r>
           </a:p>
           <a:p>
@@ -6853,7 +6902,7 @@
         <p:spPr>
           <a:xfrm>
             <a:off x="609600" y="1295400"/>
-            <a:ext cx="7848600" cy="3139321"/>
+            <a:ext cx="7848600" cy="4647426"/>
           </a:xfrm>
           <a:prstGeom prst="rect">
             <a:avLst/>
@@ -6875,195 +6924,79 @@
               <a:t>  </a:t>
             </a:r>
             <a:r>
-              <a:rPr lang="en-US" dirty="0"/>
-              <a:t>Shoulder Surfing Resistant Graphical Authentication Scheme for </a:t>
-            </a:r>
-            <a:r>
-              <a:rPr lang="en-US" dirty="0" smtClean="0"/>
-              <a:t>Web </a:t>
-            </a:r>
-            <a:r>
-              <a:rPr lang="en-US" dirty="0"/>
-              <a:t>Based </a:t>
-            </a:r>
-            <a:r>
-              <a:rPr lang="en-US" dirty="0" smtClean="0"/>
-              <a:t>Applications</a:t>
-            </a:r>
-            <a:r>
-              <a:rPr lang="en-US" b="1" dirty="0" smtClean="0"/>
+              <a:rPr lang="en-US" sz="2000" dirty="0" smtClean="0"/>
+              <a:t>IMAGE BASED AUTHENTICATION USING ZERO-KNOWLEDGE PROTOCOL By </a:t>
+            </a:r>
+            <a:r>
+              <a:rPr lang="en-US" sz="2000" dirty="0" err="1" smtClean="0"/>
+              <a:t>Zarina</a:t>
+            </a:r>
+            <a:r>
+              <a:rPr lang="en-US" sz="2000" dirty="0" smtClean="0"/>
               <a:t> </a:t>
             </a:r>
             <a:r>
-              <a:rPr lang="en-US" dirty="0" smtClean="0"/>
-              <a:t>by  Prof</a:t>
-            </a:r>
-            <a:r>
-              <a:rPr lang="en-US" dirty="0"/>
-              <a:t>. </a:t>
-            </a:r>
-            <a:r>
-              <a:rPr lang="en-US" dirty="0" err="1"/>
-              <a:t>Awodele</a:t>
-            </a:r>
-            <a:r>
-              <a:rPr lang="en-US" dirty="0"/>
+              <a:rPr lang="en-US" sz="2000" dirty="0" err="1" smtClean="0"/>
+              <a:t>Mohamad</a:t>
+            </a:r>
+            <a:r>
+              <a:rPr lang="en-US" sz="2000" dirty="0" smtClean="0"/>
+              <a:t>, Lim Yan Thong, </a:t>
+            </a:r>
+            <a:r>
+              <a:rPr lang="en-US" sz="2000" dirty="0" err="1" smtClean="0"/>
+              <a:t>Aznida</a:t>
+            </a:r>
+            <a:r>
+              <a:rPr lang="en-US" sz="2000" dirty="0" smtClean="0"/>
               <a:t> </a:t>
             </a:r>
             <a:r>
-              <a:rPr lang="en-US" dirty="0" err="1"/>
-              <a:t>Oludele</a:t>
-            </a:r>
-            <a:r>
-              <a:rPr lang="en-US" dirty="0"/>
+              <a:rPr lang="en-US" sz="2000" dirty="0" err="1" smtClean="0"/>
+              <a:t>Hayati</a:t>
+            </a:r>
+            <a:r>
+              <a:rPr lang="en-US" sz="2000" dirty="0" smtClean="0"/>
               <a:t> </a:t>
             </a:r>
             <a:r>
-              <a:rPr lang="en-US" dirty="0" err="1" smtClean="0"/>
-              <a:t>Ph.D</a:t>
-            </a:r>
-            <a:r>
-              <a:rPr lang="en-US" dirty="0" smtClean="0"/>
-              <a:t>, </a:t>
-            </a:r>
-            <a:r>
-              <a:rPr lang="en-US" dirty="0" err="1" smtClean="0"/>
-              <a:t>Kalesanwo</a:t>
-            </a:r>
-            <a:r>
-              <a:rPr lang="en-US" dirty="0" smtClean="0"/>
-              <a:t> </a:t>
-            </a:r>
-            <a:r>
-              <a:rPr lang="en-US" dirty="0" err="1"/>
-              <a:t>Olamide</a:t>
-            </a:r>
-            <a:r>
-              <a:rPr lang="en-US" dirty="0"/>
-              <a:t>, </a:t>
-            </a:r>
-            <a:r>
-              <a:rPr lang="en-US" dirty="0" err="1" smtClean="0"/>
-              <a:t>Kuyoro</a:t>
-            </a:r>
-            <a:r>
-              <a:rPr lang="en-US" dirty="0" smtClean="0"/>
-              <a:t> </a:t>
-            </a:r>
-            <a:r>
-              <a:rPr lang="en-US" dirty="0" err="1"/>
-              <a:t>Afolashade</a:t>
-            </a:r>
-            <a:r>
-              <a:rPr lang="en-US" dirty="0"/>
-              <a:t> PhD., </a:t>
-            </a:r>
-            <a:r>
-              <a:rPr lang="en-US" dirty="0" err="1" smtClean="0"/>
-              <a:t>Fowora</a:t>
-            </a:r>
-            <a:r>
-              <a:rPr lang="en-US" dirty="0" smtClean="0"/>
-              <a:t> </a:t>
-            </a:r>
-            <a:r>
-              <a:rPr lang="en-US" dirty="0" err="1" smtClean="0"/>
-              <a:t>Damilola</a:t>
-            </a:r>
-            <a:r>
-              <a:rPr lang="en-US" dirty="0"/>
-              <a:t>, </a:t>
-            </a:r>
-            <a:r>
-              <a:rPr lang="en-US" dirty="0" err="1" smtClean="0"/>
-              <a:t>Ariweriokuma</a:t>
-            </a:r>
-            <a:r>
-              <a:rPr lang="en-US" dirty="0" smtClean="0"/>
-              <a:t> </a:t>
-            </a:r>
-            <a:r>
-              <a:rPr lang="en-US" dirty="0"/>
-              <a:t>Excellence</a:t>
-            </a:r>
-            <a:r>
-              <a:rPr lang="en-US" dirty="0" smtClean="0"/>
+              <a:rPr lang="en-US" sz="2000" dirty="0" err="1" smtClean="0"/>
+              <a:t>Zakaria</a:t>
+            </a:r>
+            <a:r>
+              <a:rPr lang="en-US" sz="2000" dirty="0" smtClean="0"/>
+              <a:t>, Wan </a:t>
+            </a:r>
+            <a:r>
+              <a:rPr lang="en-US" sz="2000" dirty="0" err="1" smtClean="0"/>
+              <a:t>Suryani</a:t>
+            </a:r>
+            <a:r>
+              <a:rPr lang="en-US" sz="2000" dirty="0" smtClean="0"/>
+              <a:t> Wan </a:t>
+            </a:r>
+            <a:r>
+              <a:rPr lang="en-US" sz="2000" dirty="0" err="1" smtClean="0"/>
+              <a:t>Awang</a:t>
+            </a:r>
+            <a:r>
+              <a:rPr lang="en-US" sz="2000" dirty="0" smtClean="0"/>
               <a:t>.</a:t>
             </a:r>
-          </a:p>
-          <a:p>
-            <a:pPr algn="just"/>
-            <a:endParaRPr lang="en-US" dirty="0"/>
           </a:p>
           <a:p>
             <a:pPr algn="just">
               <a:buFont typeface="Arial" pitchFamily="34" charset="0"/>
               <a:buChar char="•"/>
             </a:pPr>
-            <a:r>
-              <a:rPr lang="en-US" dirty="0" smtClean="0"/>
-              <a:t>  IMAGE BASED AUTHENTICATION USING ZERO-KNOWLEDGE PROTOCOL By </a:t>
-            </a:r>
-            <a:r>
-              <a:rPr lang="en-US" dirty="0" err="1" smtClean="0"/>
-              <a:t>Zarina</a:t>
-            </a:r>
-            <a:r>
-              <a:rPr lang="en-US" dirty="0" smtClean="0"/>
-              <a:t> </a:t>
-            </a:r>
-            <a:r>
-              <a:rPr lang="en-US" dirty="0" err="1" smtClean="0"/>
-              <a:t>Mohamad</a:t>
-            </a:r>
-            <a:r>
-              <a:rPr lang="en-US" dirty="0" smtClean="0"/>
-              <a:t>, Lim Yan Thong, </a:t>
-            </a:r>
-            <a:r>
-              <a:rPr lang="en-US" dirty="0" err="1" smtClean="0"/>
-              <a:t>Aznida</a:t>
-            </a:r>
-            <a:r>
-              <a:rPr lang="en-US" dirty="0" smtClean="0"/>
-              <a:t> </a:t>
-            </a:r>
-            <a:r>
-              <a:rPr lang="en-US" dirty="0" err="1" smtClean="0"/>
-              <a:t>Hayati</a:t>
-            </a:r>
-            <a:r>
-              <a:rPr lang="en-US" dirty="0" smtClean="0"/>
-              <a:t> </a:t>
-            </a:r>
-            <a:r>
-              <a:rPr lang="en-US" dirty="0" err="1" smtClean="0"/>
-              <a:t>Zakaria</a:t>
-            </a:r>
-            <a:r>
-              <a:rPr lang="en-US" dirty="0" smtClean="0"/>
-              <a:t>, Wan </a:t>
-            </a:r>
-            <a:r>
-              <a:rPr lang="en-US" dirty="0" err="1" smtClean="0"/>
-              <a:t>Suryani</a:t>
-            </a:r>
-            <a:r>
-              <a:rPr lang="en-US" dirty="0" smtClean="0"/>
-              <a:t> Wan </a:t>
-            </a:r>
-            <a:r>
-              <a:rPr lang="en-US" dirty="0" err="1" smtClean="0"/>
-              <a:t>Awang</a:t>
-            </a:r>
-            <a:endParaRPr lang="en-US" dirty="0" smtClean="0"/>
+            <a:endParaRPr lang="en-US" sz="2000" dirty="0" smtClean="0"/>
           </a:p>
           <a:p>
             <a:pPr algn="just">
               <a:buFont typeface="Arial" pitchFamily="34" charset="0"/>
               <a:buChar char="•"/>
             </a:pPr>
-            <a:endParaRPr lang="en-US" dirty="0"/>
+            <a:endParaRPr lang="en-US" sz="2000" dirty="0" smtClean="0"/>
           </a:p>
           <a:p>
             <a:pPr algn="just">
@@ -7071,58 +7004,182 @@
               <a:buChar char="•"/>
             </a:pPr>
             <a:r>
-              <a:rPr lang="en-US" dirty="0" smtClean="0"/>
-              <a:t>  Shoulder Surfing Resistant Graphical password system  By Amish shah , Part </a:t>
-            </a:r>
-            <a:r>
-              <a:rPr lang="en-US" dirty="0" err="1" smtClean="0"/>
+              <a:rPr lang="en-US" sz="2000" dirty="0" smtClean="0"/>
+              <a:t>  SHOULDER SURFING RESISTANT GRAPHICAL AUTHENTICATION SCHEME FOR WEB BASED APPLICATION by  Prof</a:t>
+            </a:r>
+            <a:r>
+              <a:rPr lang="en-US" sz="2000" dirty="0"/>
+              <a:t>. </a:t>
+            </a:r>
+            <a:r>
+              <a:rPr lang="en-US" sz="2000" dirty="0" err="1"/>
+              <a:t>Awodele</a:t>
+            </a:r>
+            <a:r>
+              <a:rPr lang="en-US" sz="2000" dirty="0"/>
+              <a:t> </a:t>
+            </a:r>
+            <a:r>
+              <a:rPr lang="en-US" sz="2000" dirty="0" err="1"/>
+              <a:t>Oludele</a:t>
+            </a:r>
+            <a:r>
+              <a:rPr lang="en-US" sz="2000" dirty="0"/>
+              <a:t> </a:t>
+            </a:r>
+            <a:r>
+              <a:rPr lang="en-US" sz="2000" dirty="0" err="1" smtClean="0"/>
+              <a:t>Ph.D</a:t>
+            </a:r>
+            <a:r>
+              <a:rPr lang="en-US" sz="2000" dirty="0" smtClean="0"/>
+              <a:t>, </a:t>
+            </a:r>
+            <a:r>
+              <a:rPr lang="en-US" sz="2000" dirty="0" err="1" smtClean="0"/>
+              <a:t>Kalesanwo</a:t>
+            </a:r>
+            <a:r>
+              <a:rPr lang="en-US" sz="2000" dirty="0" smtClean="0"/>
+              <a:t> </a:t>
+            </a:r>
+            <a:r>
+              <a:rPr lang="en-US" sz="2000" dirty="0" err="1"/>
+              <a:t>Olamide</a:t>
+            </a:r>
+            <a:r>
+              <a:rPr lang="en-US" sz="2000" dirty="0"/>
+              <a:t>, </a:t>
+            </a:r>
+            <a:r>
+              <a:rPr lang="en-US" sz="2000" dirty="0" err="1" smtClean="0"/>
+              <a:t>Kuyoro</a:t>
+            </a:r>
+            <a:r>
+              <a:rPr lang="en-US" sz="2000" dirty="0" smtClean="0"/>
+              <a:t> </a:t>
+            </a:r>
+            <a:r>
+              <a:rPr lang="en-US" sz="2000" dirty="0" err="1"/>
+              <a:t>Afolashade</a:t>
+            </a:r>
+            <a:r>
+              <a:rPr lang="en-US" sz="2000" dirty="0"/>
+              <a:t> PhD., </a:t>
+            </a:r>
+            <a:r>
+              <a:rPr lang="en-US" sz="2000" dirty="0" err="1" smtClean="0"/>
+              <a:t>Fowora</a:t>
+            </a:r>
+            <a:r>
+              <a:rPr lang="en-US" sz="2000" dirty="0" smtClean="0"/>
+              <a:t> </a:t>
+            </a:r>
+            <a:r>
+              <a:rPr lang="en-US" sz="2000" dirty="0" err="1" smtClean="0"/>
+              <a:t>Damilola</a:t>
+            </a:r>
+            <a:r>
+              <a:rPr lang="en-US" sz="2000" dirty="0"/>
+              <a:t>, </a:t>
+            </a:r>
+            <a:r>
+              <a:rPr lang="en-US" sz="2000" dirty="0" err="1" smtClean="0"/>
+              <a:t>Ariweriokuma</a:t>
+            </a:r>
+            <a:r>
+              <a:rPr lang="en-US" sz="2000" dirty="0" smtClean="0"/>
+              <a:t> </a:t>
+            </a:r>
+            <a:r>
+              <a:rPr lang="en-US" sz="2000" dirty="0"/>
+              <a:t>Excellence</a:t>
+            </a:r>
+            <a:r>
+              <a:rPr lang="en-US" sz="2000" dirty="0" smtClean="0"/>
+              <a:t>.</a:t>
+            </a:r>
+          </a:p>
+          <a:p>
+            <a:pPr algn="just"/>
+            <a:r>
+              <a:rPr lang="en-US" sz="2000" dirty="0" smtClean="0"/>
+              <a:t>  </a:t>
+            </a:r>
+          </a:p>
+          <a:p>
+            <a:pPr algn="just">
+              <a:buFont typeface="Arial" pitchFamily="34" charset="0"/>
+              <a:buChar char="•"/>
+            </a:pPr>
+            <a:endParaRPr lang="en-US" sz="2000" dirty="0"/>
+          </a:p>
+          <a:p>
+            <a:pPr algn="just">
+              <a:buFont typeface="Arial" pitchFamily="34" charset="0"/>
+              <a:buChar char="•"/>
+            </a:pPr>
+            <a:r>
+              <a:rPr lang="en-US" sz="2000" dirty="0" smtClean="0"/>
+              <a:t>  SHOULDER SURFING RESISTANT GRAPHICAL PASSWORD SYSTEM By  Amish </a:t>
+            </a:r>
+            <a:r>
+              <a:rPr lang="en-US" sz="2000" dirty="0" err="1" smtClean="0"/>
+              <a:t>shah,Part</a:t>
+            </a:r>
+            <a:r>
+              <a:rPr lang="en-US" sz="2000" dirty="0" smtClean="0"/>
+              <a:t> </a:t>
+            </a:r>
+            <a:r>
+              <a:rPr lang="en-US" sz="2000" dirty="0" err="1" smtClean="0"/>
               <a:t>ved</a:t>
             </a:r>
             <a:r>
-              <a:rPr lang="en-US" dirty="0" smtClean="0"/>
+              <a:rPr lang="en-US" sz="2000" dirty="0" smtClean="0"/>
               <a:t> ,</a:t>
             </a:r>
             <a:r>
-              <a:rPr lang="en-US" dirty="0" err="1" smtClean="0"/>
+              <a:rPr lang="en-US" sz="2000" dirty="0" err="1" smtClean="0"/>
               <a:t>Avani</a:t>
             </a:r>
             <a:r>
-              <a:rPr lang="en-US" dirty="0" smtClean="0"/>
+              <a:rPr lang="en-US" sz="2000" dirty="0" smtClean="0"/>
               <a:t> </a:t>
             </a:r>
             <a:r>
-              <a:rPr lang="en-US" dirty="0" err="1" smtClean="0"/>
+              <a:rPr lang="en-US" sz="2000" dirty="0" err="1" smtClean="0"/>
               <a:t>Deora</a:t>
             </a:r>
             <a:r>
-              <a:rPr lang="en-US" dirty="0" smtClean="0"/>
+              <a:rPr lang="en-US" sz="2000" dirty="0" smtClean="0"/>
               <a:t> ,</a:t>
             </a:r>
             <a:r>
-              <a:rPr lang="en-US" dirty="0" err="1" smtClean="0"/>
+              <a:rPr lang="en-US" sz="2000" dirty="0" err="1" smtClean="0"/>
               <a:t>Arjum</a:t>
             </a:r>
             <a:r>
-              <a:rPr lang="en-US" dirty="0" smtClean="0"/>
+              <a:rPr lang="en-US" sz="2000" dirty="0" smtClean="0"/>
               <a:t> </a:t>
             </a:r>
             <a:r>
-              <a:rPr lang="en-US" dirty="0" err="1" smtClean="0"/>
+              <a:rPr lang="en-US" sz="2000" dirty="0" err="1" smtClean="0"/>
               <a:t>Jaishwal</a:t>
             </a:r>
             <a:r>
-              <a:rPr lang="en-US" dirty="0" smtClean="0"/>
+              <a:rPr lang="en-US" sz="2000" dirty="0" smtClean="0"/>
               <a:t> , Mitchell </a:t>
             </a:r>
             <a:r>
-              <a:rPr lang="en-US" dirty="0" err="1" smtClean="0"/>
+              <a:rPr lang="en-US" sz="2000" dirty="0" err="1" smtClean="0"/>
               <a:t>D’silva</a:t>
             </a:r>
             <a:r>
-              <a:rPr lang="en-US" dirty="0" smtClean="0"/>
+              <a:rPr lang="en-US" sz="2000" dirty="0" smtClean="0"/>
               <a:t>.</a:t>
             </a:r>
-            <a:endParaRPr lang="en-US" dirty="0"/>
+            <a:endParaRPr lang="en-US" sz="2000" dirty="0"/>
           </a:p>
           <a:p>
             <a:endParaRPr lang="en-US" dirty="0"/>
